--- a/slides/WSDM_Conclusions.pptx
+++ b/slides/WSDM_Conclusions.pptx
@@ -202,7 +202,7 @@
           <a:p>
             <a:fld id="{6977184D-24A8-7849-A93C-F6C4A28B9FEB}" type="datetimeFigureOut">
               <a:rPr lang="en-US" smtClean="0"/>
-              <a:t>10/20/23</a:t>
+              <a:t>2/26/24</a:t>
             </a:fld>
             <a:endParaRPr lang="en-US"/>
           </a:p>
@@ -614,9 +614,9 @@
           <a:bodyPr/>
           <a:lstStyle/>
           <a:p>
-            <a:fld id="{D6F4839F-7DE1-B14A-88DF-1E87BC238DD3}" type="datetime1">
+            <a:fld id="{81418C54-23C1-D74C-A8C3-751EA78DE90A}" type="datetime1">
               <a:rPr lang="en-US" smtClean="0"/>
-              <a:t>10/20/23</a:t>
+              <a:t>2/26/24</a:t>
             </a:fld>
             <a:endParaRPr lang="en-US"/>
           </a:p>
@@ -645,7 +645,7 @@
           <a:p>
             <a:r>
               <a:rPr lang="en-US"/>
-              <a:t>https://github.com/kwchurch/CIKM_2023_tutorial</a:t>
+              <a:t>https://github.com/kwchurch/WSSDM_2024_tutorial</a:t>
             </a:r>
           </a:p>
         </p:txBody>
@@ -815,9 +815,9 @@
           <a:bodyPr/>
           <a:lstStyle/>
           <a:p>
-            <a:fld id="{16599DE4-5D39-4348-9AAF-E8F68825BC5B}" type="datetime1">
+            <a:fld id="{D9A133D2-3161-A647-B3A2-647C886B5597}" type="datetime1">
               <a:rPr lang="en-US" smtClean="0"/>
-              <a:t>10/20/23</a:t>
+              <a:t>2/26/24</a:t>
             </a:fld>
             <a:endParaRPr lang="en-US"/>
           </a:p>
@@ -846,7 +846,7 @@
           <a:p>
             <a:r>
               <a:rPr lang="en-US"/>
-              <a:t>https://github.com/kwchurch/CIKM_2023_tutorial</a:t>
+              <a:t>https://github.com/kwchurch/WSSDM_2024_tutorial</a:t>
             </a:r>
           </a:p>
         </p:txBody>
@@ -1026,9 +1026,9 @@
           <a:bodyPr/>
           <a:lstStyle/>
           <a:p>
-            <a:fld id="{E6D8F26C-F4A7-154D-A8F7-682C4194AF79}" type="datetime1">
+            <a:fld id="{A9E9E75A-E22B-2F4C-9A4D-0A1E6BA9931E}" type="datetime1">
               <a:rPr lang="en-US" smtClean="0"/>
-              <a:t>10/20/23</a:t>
+              <a:t>2/26/24</a:t>
             </a:fld>
             <a:endParaRPr lang="en-US"/>
           </a:p>
@@ -1057,7 +1057,7 @@
           <a:p>
             <a:r>
               <a:rPr lang="en-US"/>
-              <a:t>https://github.com/kwchurch/CIKM_2023_tutorial</a:t>
+              <a:t>https://github.com/kwchurch/WSSDM_2024_tutorial</a:t>
             </a:r>
           </a:p>
         </p:txBody>
@@ -1227,9 +1227,9 @@
           <a:bodyPr/>
           <a:lstStyle/>
           <a:p>
-            <a:fld id="{81C3BD8B-B388-0944-BF27-A69B2D089469}" type="datetime1">
+            <a:fld id="{9B938AE5-411B-4543-BEB7-7FEDC85F2FDD}" type="datetime1">
               <a:rPr lang="en-US" smtClean="0"/>
-              <a:t>10/20/23</a:t>
+              <a:t>2/26/24</a:t>
             </a:fld>
             <a:endParaRPr lang="en-US"/>
           </a:p>
@@ -1258,7 +1258,7 @@
           <a:p>
             <a:r>
               <a:rPr lang="en-US"/>
-              <a:t>https://github.com/kwchurch/CIKM_2023_tutorial</a:t>
+              <a:t>https://github.com/kwchurch/WSSDM_2024_tutorial</a:t>
             </a:r>
           </a:p>
         </p:txBody>
@@ -1505,9 +1505,9 @@
           <a:bodyPr/>
           <a:lstStyle/>
           <a:p>
-            <a:fld id="{D60A6E5A-DC8A-C34B-9215-1F0D8E287035}" type="datetime1">
+            <a:fld id="{755C34A7-2DE6-D84B-B2C7-4F81305224AF}" type="datetime1">
               <a:rPr lang="en-US" smtClean="0"/>
-              <a:t>10/20/23</a:t>
+              <a:t>2/26/24</a:t>
             </a:fld>
             <a:endParaRPr lang="en-US"/>
           </a:p>
@@ -1536,7 +1536,7 @@
           <a:p>
             <a:r>
               <a:rPr lang="en-US"/>
-              <a:t>https://github.com/kwchurch/CIKM_2023_tutorial</a:t>
+              <a:t>https://github.com/kwchurch/WSSDM_2024_tutorial</a:t>
             </a:r>
           </a:p>
         </p:txBody>
@@ -1773,9 +1773,9 @@
           <a:bodyPr/>
           <a:lstStyle/>
           <a:p>
-            <a:fld id="{337A1C32-7323-A34F-B4A7-7D22756FAD70}" type="datetime1">
+            <a:fld id="{0F1B5390-9B40-E74C-9ABD-D6AE66786F19}" type="datetime1">
               <a:rPr lang="en-US" smtClean="0"/>
-              <a:t>10/20/23</a:t>
+              <a:t>2/26/24</a:t>
             </a:fld>
             <a:endParaRPr lang="en-US"/>
           </a:p>
@@ -1804,7 +1804,7 @@
           <a:p>
             <a:r>
               <a:rPr lang="en-US"/>
-              <a:t>https://github.com/kwchurch/CIKM_2023_tutorial</a:t>
+              <a:t>https://github.com/kwchurch/WSSDM_2024_tutorial</a:t>
             </a:r>
           </a:p>
         </p:txBody>
@@ -2188,9 +2188,9 @@
           <a:bodyPr/>
           <a:lstStyle/>
           <a:p>
-            <a:fld id="{CB6D7B08-82DE-664D-AB2B-C91FFE57ACF6}" type="datetime1">
+            <a:fld id="{8103FF93-AA6D-EA46-8F96-99D3A740EC4C}" type="datetime1">
               <a:rPr lang="en-US" smtClean="0"/>
-              <a:t>10/20/23</a:t>
+              <a:t>2/26/24</a:t>
             </a:fld>
             <a:endParaRPr lang="en-US"/>
           </a:p>
@@ -2219,7 +2219,7 @@
           <a:p>
             <a:r>
               <a:rPr lang="en-US"/>
-              <a:t>https://github.com/kwchurch/CIKM_2023_tutorial</a:t>
+              <a:t>https://github.com/kwchurch/WSSDM_2024_tutorial</a:t>
             </a:r>
           </a:p>
         </p:txBody>
@@ -2332,9 +2332,9 @@
           <a:bodyPr/>
           <a:lstStyle/>
           <a:p>
-            <a:fld id="{6C35521F-2369-6445-B181-E95C60B42026}" type="datetime1">
+            <a:fld id="{F75D17B6-B90F-8544-8235-D28E45E1E8A7}" type="datetime1">
               <a:rPr lang="en-US" smtClean="0"/>
-              <a:t>10/20/23</a:t>
+              <a:t>2/26/24</a:t>
             </a:fld>
             <a:endParaRPr lang="en-US"/>
           </a:p>
@@ -2363,7 +2363,7 @@
           <a:p>
             <a:r>
               <a:rPr lang="en-US"/>
-              <a:t>https://github.com/kwchurch/CIKM_2023_tutorial</a:t>
+              <a:t>https://github.com/kwchurch/WSSDM_2024_tutorial</a:t>
             </a:r>
           </a:p>
         </p:txBody>
@@ -2448,9 +2448,9 @@
           <a:bodyPr/>
           <a:lstStyle/>
           <a:p>
-            <a:fld id="{10625208-3CDA-CD4D-AEB9-8F0AF5A15F8D}" type="datetime1">
+            <a:fld id="{5A26990E-E9A4-AA47-A0C4-333DBCF0DE9D}" type="datetime1">
               <a:rPr lang="en-US" smtClean="0"/>
-              <a:t>10/20/23</a:t>
+              <a:t>2/26/24</a:t>
             </a:fld>
             <a:endParaRPr lang="en-US"/>
           </a:p>
@@ -2479,7 +2479,7 @@
           <a:p>
             <a:r>
               <a:rPr lang="en-US"/>
-              <a:t>https://github.com/kwchurch/CIKM_2023_tutorial</a:t>
+              <a:t>https://github.com/kwchurch/WSSDM_2024_tutorial</a:t>
             </a:r>
           </a:p>
         </p:txBody>
@@ -2762,9 +2762,9 @@
           <a:bodyPr/>
           <a:lstStyle/>
           <a:p>
-            <a:fld id="{3D573010-5F3C-7C41-BE77-B6CEE6160861}" type="datetime1">
+            <a:fld id="{ABEE2DDC-37D9-E649-BECD-784BEEB65C0A}" type="datetime1">
               <a:rPr lang="en-US" smtClean="0"/>
-              <a:t>10/20/23</a:t>
+              <a:t>2/26/24</a:t>
             </a:fld>
             <a:endParaRPr lang="en-US"/>
           </a:p>
@@ -2793,7 +2793,7 @@
           <a:p>
             <a:r>
               <a:rPr lang="en-US"/>
-              <a:t>https://github.com/kwchurch/CIKM_2023_tutorial</a:t>
+              <a:t>https://github.com/kwchurch/WSSDM_2024_tutorial</a:t>
             </a:r>
           </a:p>
         </p:txBody>
@@ -3053,9 +3053,9 @@
           <a:bodyPr/>
           <a:lstStyle/>
           <a:p>
-            <a:fld id="{1CEBBBA8-CAA0-C749-9E2C-53E54900CA18}" type="datetime1">
+            <a:fld id="{012C3667-B75F-3345-96F3-18315A181DE8}" type="datetime1">
               <a:rPr lang="en-US" smtClean="0"/>
-              <a:t>10/20/23</a:t>
+              <a:t>2/26/24</a:t>
             </a:fld>
             <a:endParaRPr lang="en-US"/>
           </a:p>
@@ -3084,7 +3084,7 @@
           <a:p>
             <a:r>
               <a:rPr lang="en-US"/>
-              <a:t>https://github.com/kwchurch/CIKM_2023_tutorial</a:t>
+              <a:t>https://github.com/kwchurch/WSSDM_2024_tutorial</a:t>
             </a:r>
           </a:p>
         </p:txBody>
@@ -3297,9 +3297,9 @@
             </a:lvl1pPr>
           </a:lstStyle>
           <a:p>
-            <a:fld id="{595B83D0-0A32-6A41-8077-327E0A5F0CB3}" type="datetime1">
+            <a:fld id="{CF075BB1-C5D3-2A44-A451-0D6856DD2557}" type="datetime1">
               <a:rPr lang="en-US" smtClean="0"/>
-              <a:t>10/20/23</a:t>
+              <a:t>2/26/24</a:t>
             </a:fld>
             <a:endParaRPr lang="en-US"/>
           </a:p>
@@ -3346,7 +3346,7 @@
           <a:p>
             <a:r>
               <a:rPr lang="en-US"/>
-              <a:t>https://github.com/kwchurch/CIKM_2023_tutorial</a:t>
+              <a:t>https://github.com/kwchurch/WSSDM_2024_tutorial</a:t>
             </a:r>
           </a:p>
         </p:txBody>
@@ -3796,7 +3796,7 @@
           <a:p>
             <a:r>
               <a:rPr lang="en-US"/>
-              <a:t>https://github.com/kwchurch/CIKM_2023_tutorial</a:t>
+              <a:t>https://github.com/kwchurch/WSSDM_2024_tutorial</a:t>
             </a:r>
           </a:p>
         </p:txBody>
@@ -3885,34 +3885,31 @@
               <a:buChar char="ü"/>
             </a:pPr>
             <a:r>
-              <a:rPr lang="en-US" b="0" i="0" u="sng" dirty="0">
+              <a:rPr lang="en-US" b="0" i="0" dirty="0">
                 <a:solidFill>
                   <a:srgbClr val="1F2328"/>
                 </a:solidFill>
                 <a:effectLst/>
                 <a:latin typeface="-apple-system"/>
-                <a:hlinkClick r:id="rId2"/>
               </a:rPr>
-              <a:t>I</a:t>
-            </a:r>
-            <a:r>
-              <a:rPr lang="en-US" b="0" i="0" u="sng" dirty="0">
+              <a:t>Introduction</a:t>
+            </a:r>
+          </a:p>
+          <a:p>
+            <a:pPr>
+              <a:buFont typeface="Wingdings" pitchFamily="2" charset="2"/>
+              <a:buChar char="ü"/>
+            </a:pPr>
+            <a:r>
+              <a:rPr lang="en-US" b="0" i="0" dirty="0">
                 <a:solidFill>
                   <a:srgbClr val="1F2328"/>
                 </a:solidFill>
                 <a:effectLst/>
                 <a:latin typeface="-apple-system"/>
-                <a:hlinkClick r:id="rId2"/>
               </a:rPr>
-              <a:t>ntroduction</a:t>
-            </a:r>
-            <a:endParaRPr lang="en-US" b="0" i="0" dirty="0">
-              <a:solidFill>
-                <a:srgbClr val="1F2328"/>
-              </a:solidFill>
-              <a:effectLst/>
-              <a:latin typeface="-apple-system"/>
-            </a:endParaRPr>
+              <a:t>Hard</a:t>
+            </a:r>
           </a:p>
           <a:p>
             <a:pPr>
@@ -3920,23 +3917,15 @@
               <a:buChar char="ü"/>
             </a:pPr>
             <a:r>
-              <a:rPr lang="en-US" b="0" i="0" u="sng" dirty="0">
+              <a:rPr lang="en-US" b="0" i="0" dirty="0">
                 <a:solidFill>
                   <a:srgbClr val="1F2328"/>
                 </a:solidFill>
                 <a:effectLst/>
                 <a:latin typeface="-apple-system"/>
-                <a:hlinkClick r:id="rId3"/>
               </a:rPr>
-              <a:t>Hard</a:t>
-            </a:r>
-            <a:endParaRPr lang="en-US" b="0" i="0" dirty="0">
-              <a:solidFill>
-                <a:srgbClr val="1F2328"/>
-              </a:solidFill>
-              <a:effectLst/>
-              <a:latin typeface="-apple-system"/>
-            </a:endParaRPr>
+              <a:t>Easy</a:t>
+            </a:r>
           </a:p>
           <a:p>
             <a:pPr>
@@ -3944,23 +3933,15 @@
               <a:buChar char="ü"/>
             </a:pPr>
             <a:r>
-              <a:rPr lang="en-US" b="0" i="0" u="sng" dirty="0">
+              <a:rPr lang="en-US" b="0" i="0" dirty="0">
                 <a:solidFill>
                   <a:srgbClr val="1F2328"/>
                 </a:solidFill>
                 <a:effectLst/>
                 <a:latin typeface="-apple-system"/>
-                <a:hlinkClick r:id="rId4"/>
               </a:rPr>
-              <a:t>Easy</a:t>
-            </a:r>
-            <a:endParaRPr lang="en-US" b="0" i="0" dirty="0">
-              <a:solidFill>
-                <a:srgbClr val="1F2328"/>
-              </a:solidFill>
-              <a:effectLst/>
-              <a:latin typeface="-apple-system"/>
-            </a:endParaRPr>
+              <a:t>Medium</a:t>
+            </a:r>
           </a:p>
           <a:p>
             <a:pPr>
@@ -3968,23 +3949,15 @@
               <a:buChar char="ü"/>
             </a:pPr>
             <a:r>
-              <a:rPr lang="en-US" b="0" i="0" u="sng" dirty="0">
+              <a:rPr lang="en-US" b="0" i="0" dirty="0">
                 <a:solidFill>
                   <a:srgbClr val="1F2328"/>
                 </a:solidFill>
                 <a:effectLst/>
                 <a:latin typeface="-apple-system"/>
-                <a:hlinkClick r:id="rId5"/>
               </a:rPr>
-              <a:t>Medium</a:t>
-            </a:r>
-            <a:endParaRPr lang="en-US" b="0" i="0" dirty="0">
-              <a:solidFill>
-                <a:srgbClr val="1F2328"/>
-              </a:solidFill>
-              <a:effectLst/>
-              <a:latin typeface="-apple-system"/>
-            </a:endParaRPr>
+              <a:t>Ugly</a:t>
+            </a:r>
           </a:p>
           <a:p>
             <a:pPr>
@@ -3992,47 +3965,15 @@
               <a:buChar char="ü"/>
             </a:pPr>
             <a:r>
-              <a:rPr lang="en-US" b="0" i="0" u="sng" dirty="0">
+              <a:rPr lang="en-US" b="0" i="0" dirty="0">
                 <a:solidFill>
                   <a:srgbClr val="1F2328"/>
                 </a:solidFill>
                 <a:effectLst/>
                 <a:latin typeface="-apple-system"/>
-                <a:hlinkClick r:id="rId6"/>
-              </a:rPr>
-              <a:t>Ugly</a:t>
-            </a:r>
-            <a:endParaRPr lang="en-US" b="0" i="0" dirty="0">
-              <a:solidFill>
-                <a:srgbClr val="1F2328"/>
-              </a:solidFill>
-              <a:effectLst/>
-              <a:latin typeface="-apple-system"/>
-            </a:endParaRPr>
-          </a:p>
-          <a:p>
-            <a:pPr>
-              <a:buFont typeface="Wingdings" pitchFamily="2" charset="2"/>
-              <a:buChar char="ü"/>
-            </a:pPr>
-            <a:r>
-              <a:rPr lang="en-US" b="0" i="0" u="sng" dirty="0">
-                <a:solidFill>
-                  <a:srgbClr val="1F2328"/>
-                </a:solidFill>
-                <a:effectLst/>
-                <a:latin typeface="-apple-system"/>
-                <a:hlinkClick r:id="rId7"/>
               </a:rPr>
               <a:t>Conclusions</a:t>
             </a:r>
-            <a:endParaRPr lang="en-US" b="0" i="0" dirty="0">
-              <a:solidFill>
-                <a:srgbClr val="1F2328"/>
-              </a:solidFill>
-              <a:effectLst/>
-              <a:latin typeface="-apple-system"/>
-            </a:endParaRPr>
           </a:p>
         </p:txBody>
       </p:sp>
@@ -4059,7 +4000,7 @@
           <a:p>
             <a:r>
               <a:rPr lang="en-US"/>
-              <a:t>https://github.com/kwchurch/CIKM_2023_tutorial</a:t>
+              <a:t>https://github.com/kwchurch/WSSDM_2024_tutorial</a:t>
             </a:r>
           </a:p>
         </p:txBody>
@@ -4188,7 +4129,7 @@
           <a:p>
             <a:r>
               <a:rPr lang="en-US"/>
-              <a:t>https://github.com/kwchurch/CIKM_2023_tutorial</a:t>
+              <a:t>https://github.com/kwchurch/WSSDM_2024_tutorial</a:t>
             </a:r>
           </a:p>
         </p:txBody>
@@ -4333,7 +4274,7 @@
           <a:p>
             <a:r>
               <a:rPr lang="en-US"/>
-              <a:t>https://github.com/kwchurch/CIKM_2023_tutorial</a:t>
+              <a:t>https://github.com/kwchurch/WSSDM_2024_tutorial</a:t>
             </a:r>
           </a:p>
         </p:txBody>
@@ -4486,7 +4427,7 @@
           <a:p>
             <a:r>
               <a:rPr lang="en-US"/>
-              <a:t>https://github.com/kwchurch/CIKM_2023_tutorial</a:t>
+              <a:t>https://github.com/kwchurch/WSSDM_2024_tutorial</a:t>
             </a:r>
           </a:p>
         </p:txBody>
@@ -4549,8 +4490,8 @@
           </a:p>
         </p:txBody>
       </p:sp>
-      <mc:AlternateContent xmlns:mc="http://schemas.openxmlformats.org/markup-compatibility/2006">
-        <mc:Choice xmlns:a14="http://schemas.microsoft.com/office/drawing/2010/main" Requires="a14">
+      <mc:AlternateContent xmlns:mc="http://schemas.openxmlformats.org/markup-compatibility/2006" xmlns:a14="http://schemas.microsoft.com/office/drawing/2010/main">
+        <mc:Choice Requires="a14">
           <p:sp>
             <p:nvSpPr>
               <p:cNvPr id="3" name="Content Placeholder 2">
@@ -4666,7 +4607,7 @@
             </p:txBody>
           </p:sp>
         </mc:Choice>
-        <mc:Fallback>
+        <mc:Fallback xmlns="">
           <p:sp>
             <p:nvSpPr>
               <p:cNvPr id="3" name="Content Placeholder 2">
@@ -4729,7 +4670,7 @@
           <a:p>
             <a:r>
               <a:rPr lang="en-US"/>
-              <a:t>https://github.com/kwchurch/CIKM_2023_tutorial</a:t>
+              <a:t>https://github.com/kwchurch/WSSDM_2024_tutorial</a:t>
             </a:r>
           </a:p>
         </p:txBody>
